--- a/2021 SIMIT-MEMS气体传感器介绍 PCB.pptx
+++ b/2021 SIMIT-MEMS气体传感器介绍 PCB.pptx
@@ -1,15 +1,15 @@
 
 <file path=ppt/presentation.xml><?xml version="1.0" encoding="utf-8"?>
-<p:presentation xmlns:a="http://schemas.openxmlformats.org/drawingml/2006/main" xmlns:r="http://schemas.openxmlformats.org/officeDocument/2006/relationships" xmlns:p="http://schemas.openxmlformats.org/presentationml/2006/main" saveSubsetFonts="1">
+<p:presentation xmlns:a="http://schemas.openxmlformats.org/drawingml/2006/main" xmlns:r="http://schemas.openxmlformats.org/officeDocument/2006/relationships" xmlns:p="http://schemas.openxmlformats.org/presentationml/2006/main">
   <p:sldMasterIdLst>
-    <p:sldMasterId id="2147483660" r:id="rId1"/>
+    <p:sldMasterId id="2147483648" r:id="rId1"/>
   </p:sldMasterIdLst>
   <p:sldIdLst>
-    <p:sldId id="259" r:id="rId2"/>
-    <p:sldId id="263" r:id="rId3"/>
-    <p:sldId id="264" r:id="rId4"/>
-    <p:sldId id="265" r:id="rId5"/>
-    <p:sldId id="261" r:id="rId6"/>
+    <p:sldId id="259" r:id="rId3"/>
+    <p:sldId id="263" r:id="rId4"/>
+    <p:sldId id="264" r:id="rId5"/>
+    <p:sldId id="265" r:id="rId6"/>
+    <p:sldId id="261" r:id="rId7"/>
   </p:sldIdLst>
   <p:sldSz cx="9144000" cy="6858000" type="screen4x3"/>
   <p:notesSz cx="6858000" cy="9144000"/>
@@ -108,22 +108,6 @@
       </a:defRPr>
     </a:lvl9pPr>
   </p:defaultTextStyle>
-  <p:extLst>
-    <p:ext uri="{EFAFB233-063F-42B5-8137-9DF3F51BA10A}">
-      <p15:sldGuideLst xmlns:p15="http://schemas.microsoft.com/office/powerpoint/2012/main">
-        <p15:guide id="1" orient="horz" pos="2160">
-          <p15:clr>
-            <a:srgbClr val="A4A3A4"/>
-          </p15:clr>
-        </p15:guide>
-        <p15:guide id="2" pos="2880">
-          <p15:clr>
-            <a:srgbClr val="A4A3A4"/>
-          </p15:clr>
-        </p15:guide>
-      </p15:sldGuideLst>
-    </p:ext>
-  </p:extLst>
 </p:presentation>
 </file>
 
@@ -258,7 +242,6 @@
           <a:p>
             <a:fld id="{23BE86EA-0FF1-4707-AC14-78E71B6A407E}" type="datetimeFigureOut">
               <a:rPr lang="zh-CN" altLang="en-US" smtClean="0"/>
-              <a:t>2021/4/16</a:t>
             </a:fld>
             <a:endParaRPr lang="zh-CN" altLang="en-US"/>
           </a:p>
@@ -300,18 +283,12 @@
           <a:p>
             <a:fld id="{852A16F4-276D-41B5-8E53-A67AC247F46F}" type="slidenum">
               <a:rPr lang="zh-CN" altLang="en-US" smtClean="0"/>
-              <a:t>‹#›</a:t>
             </a:fld>
             <a:endParaRPr lang="zh-CN" altLang="en-US"/>
           </a:p>
         </p:txBody>
       </p:sp>
     </p:spTree>
-    <p:extLst>
-      <p:ext uri="{BB962C8B-B14F-4D97-AF65-F5344CB8AC3E}">
-        <p14:creationId xmlns:p14="http://schemas.microsoft.com/office/powerpoint/2010/main" val="372831000"/>
-      </p:ext>
-    </p:extLst>
   </p:cSld>
   <p:clrMapOvr>
     <a:masterClrMapping/>
@@ -379,6 +356,7 @@
               <a:rPr lang="zh-CN" altLang="en-US" smtClean="0"/>
               <a:t>单击此处编辑母版文本样式</a:t>
             </a:r>
+            <a:endParaRPr lang="zh-CN" altLang="en-US" smtClean="0"/>
           </a:p>
           <a:p>
             <a:pPr lvl="1"/>
@@ -386,6 +364,7 @@
               <a:rPr lang="zh-CN" altLang="en-US" smtClean="0"/>
               <a:t>第二级</a:t>
             </a:r>
+            <a:endParaRPr lang="zh-CN" altLang="en-US" smtClean="0"/>
           </a:p>
           <a:p>
             <a:pPr lvl="2"/>
@@ -393,6 +372,7 @@
               <a:rPr lang="zh-CN" altLang="en-US" smtClean="0"/>
               <a:t>第三级</a:t>
             </a:r>
+            <a:endParaRPr lang="zh-CN" altLang="en-US" smtClean="0"/>
           </a:p>
           <a:p>
             <a:pPr lvl="3"/>
@@ -400,6 +380,7 @@
               <a:rPr lang="zh-CN" altLang="en-US" smtClean="0"/>
               <a:t>第四级</a:t>
             </a:r>
+            <a:endParaRPr lang="zh-CN" altLang="en-US" smtClean="0"/>
           </a:p>
           <a:p>
             <a:pPr lvl="4"/>
@@ -428,7 +409,6 @@
           <a:p>
             <a:fld id="{23BE86EA-0FF1-4707-AC14-78E71B6A407E}" type="datetimeFigureOut">
               <a:rPr lang="zh-CN" altLang="en-US" smtClean="0"/>
-              <a:t>2021/4/16</a:t>
             </a:fld>
             <a:endParaRPr lang="zh-CN" altLang="en-US"/>
           </a:p>
@@ -470,18 +450,12 @@
           <a:p>
             <a:fld id="{852A16F4-276D-41B5-8E53-A67AC247F46F}" type="slidenum">
               <a:rPr lang="zh-CN" altLang="en-US" smtClean="0"/>
-              <a:t>‹#›</a:t>
             </a:fld>
             <a:endParaRPr lang="zh-CN" altLang="en-US"/>
           </a:p>
         </p:txBody>
       </p:sp>
     </p:spTree>
-    <p:extLst>
-      <p:ext uri="{BB962C8B-B14F-4D97-AF65-F5344CB8AC3E}">
-        <p14:creationId xmlns:p14="http://schemas.microsoft.com/office/powerpoint/2010/main" val="1523556054"/>
-      </p:ext>
-    </p:extLst>
   </p:cSld>
   <p:clrMapOvr>
     <a:masterClrMapping/>
@@ -559,6 +533,7 @@
               <a:rPr lang="zh-CN" altLang="en-US" smtClean="0"/>
               <a:t>单击此处编辑母版文本样式</a:t>
             </a:r>
+            <a:endParaRPr lang="zh-CN" altLang="en-US" smtClean="0"/>
           </a:p>
           <a:p>
             <a:pPr lvl="1"/>
@@ -566,6 +541,7 @@
               <a:rPr lang="zh-CN" altLang="en-US" smtClean="0"/>
               <a:t>第二级</a:t>
             </a:r>
+            <a:endParaRPr lang="zh-CN" altLang="en-US" smtClean="0"/>
           </a:p>
           <a:p>
             <a:pPr lvl="2"/>
@@ -573,6 +549,7 @@
               <a:rPr lang="zh-CN" altLang="en-US" smtClean="0"/>
               <a:t>第三级</a:t>
             </a:r>
+            <a:endParaRPr lang="zh-CN" altLang="en-US" smtClean="0"/>
           </a:p>
           <a:p>
             <a:pPr lvl="3"/>
@@ -580,6 +557,7 @@
               <a:rPr lang="zh-CN" altLang="en-US" smtClean="0"/>
               <a:t>第四级</a:t>
             </a:r>
+            <a:endParaRPr lang="zh-CN" altLang="en-US" smtClean="0"/>
           </a:p>
           <a:p>
             <a:pPr lvl="4"/>
@@ -608,7 +586,6 @@
           <a:p>
             <a:fld id="{23BE86EA-0FF1-4707-AC14-78E71B6A407E}" type="datetimeFigureOut">
               <a:rPr lang="zh-CN" altLang="en-US" smtClean="0"/>
-              <a:t>2021/4/16</a:t>
             </a:fld>
             <a:endParaRPr lang="zh-CN" altLang="en-US"/>
           </a:p>
@@ -650,18 +627,12 @@
           <a:p>
             <a:fld id="{852A16F4-276D-41B5-8E53-A67AC247F46F}" type="slidenum">
               <a:rPr lang="zh-CN" altLang="en-US" smtClean="0"/>
-              <a:t>‹#›</a:t>
             </a:fld>
             <a:endParaRPr lang="zh-CN" altLang="en-US"/>
           </a:p>
         </p:txBody>
       </p:sp>
     </p:spTree>
-    <p:extLst>
-      <p:ext uri="{BB962C8B-B14F-4D97-AF65-F5344CB8AC3E}">
-        <p14:creationId xmlns:p14="http://schemas.microsoft.com/office/powerpoint/2010/main" val="516639340"/>
-      </p:ext>
-    </p:extLst>
   </p:cSld>
   <p:clrMapOvr>
     <a:masterClrMapping/>
@@ -729,6 +700,7 @@
               <a:rPr lang="zh-CN" altLang="en-US" smtClean="0"/>
               <a:t>单击此处编辑母版文本样式</a:t>
             </a:r>
+            <a:endParaRPr lang="zh-CN" altLang="en-US" smtClean="0"/>
           </a:p>
           <a:p>
             <a:pPr lvl="1"/>
@@ -736,6 +708,7 @@
               <a:rPr lang="zh-CN" altLang="en-US" smtClean="0"/>
               <a:t>第二级</a:t>
             </a:r>
+            <a:endParaRPr lang="zh-CN" altLang="en-US" smtClean="0"/>
           </a:p>
           <a:p>
             <a:pPr lvl="2"/>
@@ -743,6 +716,7 @@
               <a:rPr lang="zh-CN" altLang="en-US" smtClean="0"/>
               <a:t>第三级</a:t>
             </a:r>
+            <a:endParaRPr lang="zh-CN" altLang="en-US" smtClean="0"/>
           </a:p>
           <a:p>
             <a:pPr lvl="3"/>
@@ -750,6 +724,7 @@
               <a:rPr lang="zh-CN" altLang="en-US" smtClean="0"/>
               <a:t>第四级</a:t>
             </a:r>
+            <a:endParaRPr lang="zh-CN" altLang="en-US" smtClean="0"/>
           </a:p>
           <a:p>
             <a:pPr lvl="4"/>
@@ -778,7 +753,6 @@
           <a:p>
             <a:fld id="{23BE86EA-0FF1-4707-AC14-78E71B6A407E}" type="datetimeFigureOut">
               <a:rPr lang="zh-CN" altLang="en-US" smtClean="0"/>
-              <a:t>2021/4/16</a:t>
             </a:fld>
             <a:endParaRPr lang="zh-CN" altLang="en-US"/>
           </a:p>
@@ -820,18 +794,12 @@
           <a:p>
             <a:fld id="{852A16F4-276D-41B5-8E53-A67AC247F46F}" type="slidenum">
               <a:rPr lang="zh-CN" altLang="en-US" smtClean="0"/>
-              <a:t>‹#›</a:t>
             </a:fld>
             <a:endParaRPr lang="zh-CN" altLang="en-US"/>
           </a:p>
         </p:txBody>
       </p:sp>
     </p:spTree>
-    <p:extLst>
-      <p:ext uri="{BB962C8B-B14F-4D97-AF65-F5344CB8AC3E}">
-        <p14:creationId xmlns:p14="http://schemas.microsoft.com/office/powerpoint/2010/main" val="1979105218"/>
-      </p:ext>
-    </p:extLst>
   </p:cSld>
   <p:clrMapOvr>
     <a:masterClrMapping/>
@@ -1002,6 +970,7 @@
               <a:rPr lang="zh-CN" altLang="en-US" smtClean="0"/>
               <a:t>单击此处编辑母版文本样式</a:t>
             </a:r>
+            <a:endParaRPr lang="zh-CN" altLang="en-US" smtClean="0"/>
           </a:p>
         </p:txBody>
       </p:sp>
@@ -1022,7 +991,6 @@
           <a:p>
             <a:fld id="{23BE86EA-0FF1-4707-AC14-78E71B6A407E}" type="datetimeFigureOut">
               <a:rPr lang="zh-CN" altLang="en-US" smtClean="0"/>
-              <a:t>2021/4/16</a:t>
             </a:fld>
             <a:endParaRPr lang="zh-CN" altLang="en-US"/>
           </a:p>
@@ -1064,18 +1032,12 @@
           <a:p>
             <a:fld id="{852A16F4-276D-41B5-8E53-A67AC247F46F}" type="slidenum">
               <a:rPr lang="zh-CN" altLang="en-US" smtClean="0"/>
-              <a:t>‹#›</a:t>
             </a:fld>
             <a:endParaRPr lang="zh-CN" altLang="en-US"/>
           </a:p>
         </p:txBody>
       </p:sp>
     </p:spTree>
-    <p:extLst>
-      <p:ext uri="{BB962C8B-B14F-4D97-AF65-F5344CB8AC3E}">
-        <p14:creationId xmlns:p14="http://schemas.microsoft.com/office/powerpoint/2010/main" val="2166921282"/>
-      </p:ext>
-    </p:extLst>
   </p:cSld>
   <p:clrMapOvr>
     <a:masterClrMapping/>
@@ -1148,6 +1110,7 @@
               <a:rPr lang="zh-CN" altLang="en-US" smtClean="0"/>
               <a:t>单击此处编辑母版文本样式</a:t>
             </a:r>
+            <a:endParaRPr lang="zh-CN" altLang="en-US" smtClean="0"/>
           </a:p>
           <a:p>
             <a:pPr lvl="1"/>
@@ -1155,6 +1118,7 @@
               <a:rPr lang="zh-CN" altLang="en-US" smtClean="0"/>
               <a:t>第二级</a:t>
             </a:r>
+            <a:endParaRPr lang="zh-CN" altLang="en-US" smtClean="0"/>
           </a:p>
           <a:p>
             <a:pPr lvl="2"/>
@@ -1162,6 +1126,7 @@
               <a:rPr lang="zh-CN" altLang="en-US" smtClean="0"/>
               <a:t>第三级</a:t>
             </a:r>
+            <a:endParaRPr lang="zh-CN" altLang="en-US" smtClean="0"/>
           </a:p>
           <a:p>
             <a:pPr lvl="3"/>
@@ -1169,6 +1134,7 @@
               <a:rPr lang="zh-CN" altLang="en-US" smtClean="0"/>
               <a:t>第四级</a:t>
             </a:r>
+            <a:endParaRPr lang="zh-CN" altLang="en-US" smtClean="0"/>
           </a:p>
           <a:p>
             <a:pPr lvl="4"/>
@@ -1205,6 +1171,7 @@
               <a:rPr lang="zh-CN" altLang="en-US" smtClean="0"/>
               <a:t>单击此处编辑母版文本样式</a:t>
             </a:r>
+            <a:endParaRPr lang="zh-CN" altLang="en-US" smtClean="0"/>
           </a:p>
           <a:p>
             <a:pPr lvl="1"/>
@@ -1212,6 +1179,7 @@
               <a:rPr lang="zh-CN" altLang="en-US" smtClean="0"/>
               <a:t>第二级</a:t>
             </a:r>
+            <a:endParaRPr lang="zh-CN" altLang="en-US" smtClean="0"/>
           </a:p>
           <a:p>
             <a:pPr lvl="2"/>
@@ -1219,6 +1187,7 @@
               <a:rPr lang="zh-CN" altLang="en-US" smtClean="0"/>
               <a:t>第三级</a:t>
             </a:r>
+            <a:endParaRPr lang="zh-CN" altLang="en-US" smtClean="0"/>
           </a:p>
           <a:p>
             <a:pPr lvl="3"/>
@@ -1226,6 +1195,7 @@
               <a:rPr lang="zh-CN" altLang="en-US" smtClean="0"/>
               <a:t>第四级</a:t>
             </a:r>
+            <a:endParaRPr lang="zh-CN" altLang="en-US" smtClean="0"/>
           </a:p>
           <a:p>
             <a:pPr lvl="4"/>
@@ -1254,7 +1224,6 @@
           <a:p>
             <a:fld id="{23BE86EA-0FF1-4707-AC14-78E71B6A407E}" type="datetimeFigureOut">
               <a:rPr lang="zh-CN" altLang="en-US" smtClean="0"/>
-              <a:t>2021/4/16</a:t>
             </a:fld>
             <a:endParaRPr lang="zh-CN" altLang="en-US"/>
           </a:p>
@@ -1296,18 +1265,12 @@
           <a:p>
             <a:fld id="{852A16F4-276D-41B5-8E53-A67AC247F46F}" type="slidenum">
               <a:rPr lang="zh-CN" altLang="en-US" smtClean="0"/>
-              <a:t>‹#›</a:t>
             </a:fld>
             <a:endParaRPr lang="zh-CN" altLang="en-US"/>
           </a:p>
         </p:txBody>
       </p:sp>
     </p:spTree>
-    <p:extLst>
-      <p:ext uri="{BB962C8B-B14F-4D97-AF65-F5344CB8AC3E}">
-        <p14:creationId xmlns:p14="http://schemas.microsoft.com/office/powerpoint/2010/main" val="4120347510"/>
-      </p:ext>
-    </p:extLst>
   </p:cSld>
   <p:clrMapOvr>
     <a:masterClrMapping/>
@@ -1422,6 +1385,7 @@
               <a:rPr lang="zh-CN" altLang="en-US" smtClean="0"/>
               <a:t>单击此处编辑母版文本样式</a:t>
             </a:r>
+            <a:endParaRPr lang="zh-CN" altLang="en-US" smtClean="0"/>
           </a:p>
         </p:txBody>
       </p:sp>
@@ -1450,6 +1414,7 @@
               <a:rPr lang="zh-CN" altLang="en-US" smtClean="0"/>
               <a:t>单击此处编辑母版文本样式</a:t>
             </a:r>
+            <a:endParaRPr lang="zh-CN" altLang="en-US" smtClean="0"/>
           </a:p>
           <a:p>
             <a:pPr lvl="1"/>
@@ -1457,6 +1422,7 @@
               <a:rPr lang="zh-CN" altLang="en-US" smtClean="0"/>
               <a:t>第二级</a:t>
             </a:r>
+            <a:endParaRPr lang="zh-CN" altLang="en-US" smtClean="0"/>
           </a:p>
           <a:p>
             <a:pPr lvl="2"/>
@@ -1464,6 +1430,7 @@
               <a:rPr lang="zh-CN" altLang="en-US" smtClean="0"/>
               <a:t>第三级</a:t>
             </a:r>
+            <a:endParaRPr lang="zh-CN" altLang="en-US" smtClean="0"/>
           </a:p>
           <a:p>
             <a:pPr lvl="3"/>
@@ -1471,6 +1438,7 @@
               <a:rPr lang="zh-CN" altLang="en-US" smtClean="0"/>
               <a:t>第四级</a:t>
             </a:r>
+            <a:endParaRPr lang="zh-CN" altLang="en-US" smtClean="0"/>
           </a:p>
           <a:p>
             <a:pPr lvl="4"/>
@@ -1544,6 +1512,7 @@
               <a:rPr lang="zh-CN" altLang="en-US" smtClean="0"/>
               <a:t>单击此处编辑母版文本样式</a:t>
             </a:r>
+            <a:endParaRPr lang="zh-CN" altLang="en-US" smtClean="0"/>
           </a:p>
         </p:txBody>
       </p:sp>
@@ -1572,6 +1541,7 @@
               <a:rPr lang="zh-CN" altLang="en-US" smtClean="0"/>
               <a:t>单击此处编辑母版文本样式</a:t>
             </a:r>
+            <a:endParaRPr lang="zh-CN" altLang="en-US" smtClean="0"/>
           </a:p>
           <a:p>
             <a:pPr lvl="1"/>
@@ -1579,6 +1549,7 @@
               <a:rPr lang="zh-CN" altLang="en-US" smtClean="0"/>
               <a:t>第二级</a:t>
             </a:r>
+            <a:endParaRPr lang="zh-CN" altLang="en-US" smtClean="0"/>
           </a:p>
           <a:p>
             <a:pPr lvl="2"/>
@@ -1586,6 +1557,7 @@
               <a:rPr lang="zh-CN" altLang="en-US" smtClean="0"/>
               <a:t>第三级</a:t>
             </a:r>
+            <a:endParaRPr lang="zh-CN" altLang="en-US" smtClean="0"/>
           </a:p>
           <a:p>
             <a:pPr lvl="3"/>
@@ -1593,6 +1565,7 @@
               <a:rPr lang="zh-CN" altLang="en-US" smtClean="0"/>
               <a:t>第四级</a:t>
             </a:r>
+            <a:endParaRPr lang="zh-CN" altLang="en-US" smtClean="0"/>
           </a:p>
           <a:p>
             <a:pPr lvl="4"/>
@@ -1621,7 +1594,6 @@
           <a:p>
             <a:fld id="{23BE86EA-0FF1-4707-AC14-78E71B6A407E}" type="datetimeFigureOut">
               <a:rPr lang="zh-CN" altLang="en-US" smtClean="0"/>
-              <a:t>2021/4/16</a:t>
             </a:fld>
             <a:endParaRPr lang="zh-CN" altLang="en-US"/>
           </a:p>
@@ -1663,18 +1635,12 @@
           <a:p>
             <a:fld id="{852A16F4-276D-41B5-8E53-A67AC247F46F}" type="slidenum">
               <a:rPr lang="zh-CN" altLang="en-US" smtClean="0"/>
-              <a:t>‹#›</a:t>
             </a:fld>
             <a:endParaRPr lang="zh-CN" altLang="en-US"/>
           </a:p>
         </p:txBody>
       </p:sp>
     </p:spTree>
-    <p:extLst>
-      <p:ext uri="{BB962C8B-B14F-4D97-AF65-F5344CB8AC3E}">
-        <p14:creationId xmlns:p14="http://schemas.microsoft.com/office/powerpoint/2010/main" val="1640241091"/>
-      </p:ext>
-    </p:extLst>
   </p:cSld>
   <p:clrMapOvr>
     <a:masterClrMapping/>
@@ -1739,7 +1705,6 @@
           <a:p>
             <a:fld id="{23BE86EA-0FF1-4707-AC14-78E71B6A407E}" type="datetimeFigureOut">
               <a:rPr lang="zh-CN" altLang="en-US" smtClean="0"/>
-              <a:t>2021/4/16</a:t>
             </a:fld>
             <a:endParaRPr lang="zh-CN" altLang="en-US"/>
           </a:p>
@@ -1781,18 +1746,12 @@
           <a:p>
             <a:fld id="{852A16F4-276D-41B5-8E53-A67AC247F46F}" type="slidenum">
               <a:rPr lang="zh-CN" altLang="en-US" smtClean="0"/>
-              <a:t>‹#›</a:t>
             </a:fld>
             <a:endParaRPr lang="zh-CN" altLang="en-US"/>
           </a:p>
         </p:txBody>
       </p:sp>
     </p:spTree>
-    <p:extLst>
-      <p:ext uri="{BB962C8B-B14F-4D97-AF65-F5344CB8AC3E}">
-        <p14:creationId xmlns:p14="http://schemas.microsoft.com/office/powerpoint/2010/main" val="2305113478"/>
-      </p:ext>
-    </p:extLst>
   </p:cSld>
   <p:clrMapOvr>
     <a:masterClrMapping/>
@@ -1834,7 +1793,6 @@
           <a:p>
             <a:fld id="{23BE86EA-0FF1-4707-AC14-78E71B6A407E}" type="datetimeFigureOut">
               <a:rPr lang="zh-CN" altLang="en-US" smtClean="0"/>
-              <a:t>2021/4/16</a:t>
             </a:fld>
             <a:endParaRPr lang="zh-CN" altLang="en-US"/>
           </a:p>
@@ -1876,18 +1834,12 @@
           <a:p>
             <a:fld id="{852A16F4-276D-41B5-8E53-A67AC247F46F}" type="slidenum">
               <a:rPr lang="zh-CN" altLang="en-US" smtClean="0"/>
-              <a:t>‹#›</a:t>
             </a:fld>
             <a:endParaRPr lang="zh-CN" altLang="en-US"/>
           </a:p>
         </p:txBody>
       </p:sp>
     </p:spTree>
-    <p:extLst>
-      <p:ext uri="{BB962C8B-B14F-4D97-AF65-F5344CB8AC3E}">
-        <p14:creationId xmlns:p14="http://schemas.microsoft.com/office/powerpoint/2010/main" val="4269656912"/>
-      </p:ext>
-    </p:extLst>
   </p:cSld>
   <p:clrMapOvr>
     <a:masterClrMapping/>
@@ -1997,6 +1949,7 @@
               <a:rPr lang="zh-CN" altLang="en-US" smtClean="0"/>
               <a:t>单击此处编辑母版文本样式</a:t>
             </a:r>
+            <a:endParaRPr lang="zh-CN" altLang="en-US" smtClean="0"/>
           </a:p>
           <a:p>
             <a:pPr lvl="1"/>
@@ -2004,6 +1957,7 @@
               <a:rPr lang="zh-CN" altLang="en-US" smtClean="0"/>
               <a:t>第二级</a:t>
             </a:r>
+            <a:endParaRPr lang="zh-CN" altLang="en-US" smtClean="0"/>
           </a:p>
           <a:p>
             <a:pPr lvl="2"/>
@@ -2011,6 +1965,7 @@
               <a:rPr lang="zh-CN" altLang="en-US" smtClean="0"/>
               <a:t>第三级</a:t>
             </a:r>
+            <a:endParaRPr lang="zh-CN" altLang="en-US" smtClean="0"/>
           </a:p>
           <a:p>
             <a:pPr lvl="3"/>
@@ -2018,6 +1973,7 @@
               <a:rPr lang="zh-CN" altLang="en-US" smtClean="0"/>
               <a:t>第四级</a:t>
             </a:r>
+            <a:endParaRPr lang="zh-CN" altLang="en-US" smtClean="0"/>
           </a:p>
           <a:p>
             <a:pPr lvl="4"/>
@@ -2091,6 +2047,7 @@
               <a:rPr lang="zh-CN" altLang="en-US" smtClean="0"/>
               <a:t>单击此处编辑母版文本样式</a:t>
             </a:r>
+            <a:endParaRPr lang="zh-CN" altLang="en-US" smtClean="0"/>
           </a:p>
         </p:txBody>
       </p:sp>
@@ -2111,7 +2068,6 @@
           <a:p>
             <a:fld id="{23BE86EA-0FF1-4707-AC14-78E71B6A407E}" type="datetimeFigureOut">
               <a:rPr lang="zh-CN" altLang="en-US" smtClean="0"/>
-              <a:t>2021/4/16</a:t>
             </a:fld>
             <a:endParaRPr lang="zh-CN" altLang="en-US"/>
           </a:p>
@@ -2153,18 +2109,12 @@
           <a:p>
             <a:fld id="{852A16F4-276D-41B5-8E53-A67AC247F46F}" type="slidenum">
               <a:rPr lang="zh-CN" altLang="en-US" smtClean="0"/>
-              <a:t>‹#›</a:t>
             </a:fld>
             <a:endParaRPr lang="zh-CN" altLang="en-US"/>
           </a:p>
         </p:txBody>
       </p:sp>
     </p:spTree>
-    <p:extLst>
-      <p:ext uri="{BB962C8B-B14F-4D97-AF65-F5344CB8AC3E}">
-        <p14:creationId xmlns:p14="http://schemas.microsoft.com/office/powerpoint/2010/main" val="2288021597"/>
-      </p:ext>
-    </p:extLst>
   </p:cSld>
   <p:clrMapOvr>
     <a:masterClrMapping/>
@@ -2348,6 +2298,7 @@
               <a:rPr lang="zh-CN" altLang="en-US" smtClean="0"/>
               <a:t>单击此处编辑母版文本样式</a:t>
             </a:r>
+            <a:endParaRPr lang="zh-CN" altLang="en-US" smtClean="0"/>
           </a:p>
         </p:txBody>
       </p:sp>
@@ -2368,7 +2319,6 @@
           <a:p>
             <a:fld id="{23BE86EA-0FF1-4707-AC14-78E71B6A407E}" type="datetimeFigureOut">
               <a:rPr lang="zh-CN" altLang="en-US" smtClean="0"/>
-              <a:t>2021/4/16</a:t>
             </a:fld>
             <a:endParaRPr lang="zh-CN" altLang="en-US"/>
           </a:p>
@@ -2410,18 +2360,12 @@
           <a:p>
             <a:fld id="{852A16F4-276D-41B5-8E53-A67AC247F46F}" type="slidenum">
               <a:rPr lang="zh-CN" altLang="en-US" smtClean="0"/>
-              <a:t>‹#›</a:t>
             </a:fld>
             <a:endParaRPr lang="zh-CN" altLang="en-US"/>
           </a:p>
         </p:txBody>
       </p:sp>
     </p:spTree>
-    <p:extLst>
-      <p:ext uri="{BB962C8B-B14F-4D97-AF65-F5344CB8AC3E}">
-        <p14:creationId xmlns:p14="http://schemas.microsoft.com/office/powerpoint/2010/main" val="2068593106"/>
-      </p:ext>
-    </p:extLst>
   </p:cSld>
   <p:clrMapOvr>
     <a:masterClrMapping/>
@@ -2514,6 +2458,7 @@
               <a:rPr lang="zh-CN" altLang="en-US" smtClean="0"/>
               <a:t>单击此处编辑母版文本样式</a:t>
             </a:r>
+            <a:endParaRPr lang="zh-CN" altLang="en-US" smtClean="0"/>
           </a:p>
           <a:p>
             <a:pPr lvl="1"/>
@@ -2521,6 +2466,7 @@
               <a:rPr lang="zh-CN" altLang="en-US" smtClean="0"/>
               <a:t>第二级</a:t>
             </a:r>
+            <a:endParaRPr lang="zh-CN" altLang="en-US" smtClean="0"/>
           </a:p>
           <a:p>
             <a:pPr lvl="2"/>
@@ -2528,6 +2474,7 @@
               <a:rPr lang="zh-CN" altLang="en-US" smtClean="0"/>
               <a:t>第三级</a:t>
             </a:r>
+            <a:endParaRPr lang="zh-CN" altLang="en-US" smtClean="0"/>
           </a:p>
           <a:p>
             <a:pPr lvl="3"/>
@@ -2535,6 +2482,7 @@
               <a:rPr lang="zh-CN" altLang="en-US" smtClean="0"/>
               <a:t>第四级</a:t>
             </a:r>
+            <a:endParaRPr lang="zh-CN" altLang="en-US" smtClean="0"/>
           </a:p>
           <a:p>
             <a:pPr lvl="4"/>
@@ -2581,7 +2529,6 @@
           <a:p>
             <a:fld id="{23BE86EA-0FF1-4707-AC14-78E71B6A407E}" type="datetimeFigureOut">
               <a:rPr lang="zh-CN" altLang="en-US" smtClean="0"/>
-              <a:t>2021/4/16</a:t>
             </a:fld>
             <a:endParaRPr lang="zh-CN" altLang="en-US"/>
           </a:p>
@@ -2659,32 +2606,26 @@
           <a:p>
             <a:fld id="{852A16F4-276D-41B5-8E53-A67AC247F46F}" type="slidenum">
               <a:rPr lang="zh-CN" altLang="en-US" smtClean="0"/>
-              <a:t>‹#›</a:t>
             </a:fld>
             <a:endParaRPr lang="zh-CN" altLang="en-US"/>
           </a:p>
         </p:txBody>
       </p:sp>
     </p:spTree>
-    <p:extLst>
-      <p:ext uri="{BB962C8B-B14F-4D97-AF65-F5344CB8AC3E}">
-        <p14:creationId xmlns:p14="http://schemas.microsoft.com/office/powerpoint/2010/main" val="3510934676"/>
-      </p:ext>
-    </p:extLst>
   </p:cSld>
   <p:clrMap bg1="lt1" tx1="dk1" bg2="lt2" tx2="dk2" accent1="accent1" accent2="accent2" accent3="accent3" accent4="accent4" accent5="accent5" accent6="accent6" hlink="hlink" folHlink="folHlink"/>
   <p:sldLayoutIdLst>
-    <p:sldLayoutId id="2147483661" r:id="rId1"/>
-    <p:sldLayoutId id="2147483662" r:id="rId2"/>
-    <p:sldLayoutId id="2147483663" r:id="rId3"/>
-    <p:sldLayoutId id="2147483664" r:id="rId4"/>
-    <p:sldLayoutId id="2147483665" r:id="rId5"/>
-    <p:sldLayoutId id="2147483666" r:id="rId6"/>
-    <p:sldLayoutId id="2147483667" r:id="rId7"/>
-    <p:sldLayoutId id="2147483668" r:id="rId8"/>
-    <p:sldLayoutId id="2147483669" r:id="rId9"/>
-    <p:sldLayoutId id="2147483670" r:id="rId10"/>
-    <p:sldLayoutId id="2147483671" r:id="rId11"/>
+    <p:sldLayoutId id="2147483649" r:id="rId1"/>
+    <p:sldLayoutId id="2147483650" r:id="rId2"/>
+    <p:sldLayoutId id="2147483651" r:id="rId3"/>
+    <p:sldLayoutId id="2147483652" r:id="rId4"/>
+    <p:sldLayoutId id="2147483653" r:id="rId5"/>
+    <p:sldLayoutId id="2147483654" r:id="rId6"/>
+    <p:sldLayoutId id="2147483655" r:id="rId7"/>
+    <p:sldLayoutId id="2147483656" r:id="rId8"/>
+    <p:sldLayoutId id="2147483657" r:id="rId9"/>
+    <p:sldLayoutId id="2147483658" r:id="rId10"/>
+    <p:sldLayoutId id="2147483659" r:id="rId11"/>
   </p:sldLayoutIdLst>
   <p:txStyles>
     <p:titleStyle>
@@ -3072,7 +3013,7 @@
             <a:pPr algn="ctr"/>
             <a:r>
               <a:rPr lang="en-US" altLang="zh-CN" dirty="0">
-                <a:hlinkClick r:id="rId2"/>
+                <a:hlinkClick r:id="rId1"/>
               </a:rPr>
               <a:t>chenying@mail.sim.ac.cn</a:t>
             </a:r>
@@ -3081,11 +3022,6 @@
         </p:txBody>
       </p:sp>
     </p:spTree>
-    <p:extLst>
-      <p:ext uri="{BB962C8B-B14F-4D97-AF65-F5344CB8AC3E}">
-        <p14:creationId xmlns:p14="http://schemas.microsoft.com/office/powerpoint/2010/main" val="908001609"/>
-      </p:ext>
-    </p:extLst>
   </p:cSld>
   <p:clrMapOvr>
     <a:masterClrMapping/>
@@ -3172,11 +3108,11 @@
           <p:nvPr/>
         </p:nvPicPr>
         <p:blipFill>
-          <a:blip r:embed="rId2" cstate="print">
+          <a:blip r:embed="rId1" cstate="print">
             <a:extLst>
               <a:ext uri="{BEBA8EAE-BF5A-486C-A8C5-ECC9F3942E4B}">
                 <a14:imgProps xmlns:a14="http://schemas.microsoft.com/office/drawing/2010/main">
-                  <a14:imgLayer r:embed="rId3">
+                  <a14:imgLayer r:embed="rId2">
                     <a14:imgEffect>
                       <a14:backgroundRemoval t="1139" b="98344" l="22602" r="91936"/>
                     </a14:imgEffect>
@@ -3222,11 +3158,11 @@
           <p:nvPr/>
         </p:nvPicPr>
         <p:blipFill>
-          <a:blip r:embed="rId4" cstate="print">
+          <a:blip r:embed="rId3" cstate="print">
             <a:extLst>
               <a:ext uri="{BEBA8EAE-BF5A-486C-A8C5-ECC9F3942E4B}">
                 <a14:imgProps xmlns:a14="http://schemas.microsoft.com/office/drawing/2010/main">
-                  <a14:imgLayer r:embed="rId5">
+                  <a14:imgLayer r:embed="rId4">
                     <a14:imgEffect>
                       <a14:brightnessContrast contrast="40000"/>
                     </a14:imgEffect>
@@ -3500,6 +3436,10 @@
               </a:rPr>
               <a:t>微米，便于材料涂覆。</a:t>
             </a:r>
+            <a:endParaRPr lang="zh-CN" altLang="zh-CN" sz="2000" dirty="0">
+              <a:latin typeface="华文楷体" panose="02010600040101010101" pitchFamily="2" charset="-122"/>
+              <a:ea typeface="华文楷体" panose="02010600040101010101" pitchFamily="2" charset="-122"/>
+            </a:endParaRPr>
           </a:p>
           <a:p>
             <a:pPr marL="285750" lvl="0" indent="-285750">
@@ -3588,19 +3528,19 @@
             </a:r>
             <a:r>
               <a:rPr lang="en-US" altLang="zh-CN" sz="2000" dirty="0" smtClean="0">
-                <a:latin typeface="Times New Roman"/>
-                <a:ea typeface="华文楷体" panose="02010600040101010101" pitchFamily="2" charset="-122"/>
-                <a:cs typeface="Times New Roman"/>
-                <a:sym typeface="Symbol"/>
+                <a:latin typeface="Times New Roman" panose="02020603050405020304"/>
+                <a:ea typeface="华文楷体" panose="02010600040101010101" pitchFamily="2" charset="-122"/>
+                <a:cs typeface="Times New Roman" panose="02020603050405020304"/>
+                <a:sym typeface="Symbol" panose="05050102010706020507"/>
               </a:rPr>
               <a:t>C</a:t>
             </a:r>
             <a:r>
               <a:rPr lang="zh-CN" altLang="en-US" sz="2000" dirty="0" smtClean="0">
-                <a:latin typeface="Times New Roman"/>
-                <a:ea typeface="华文楷体" panose="02010600040101010101" pitchFamily="2" charset="-122"/>
-                <a:cs typeface="Times New Roman"/>
-                <a:sym typeface="Symbol"/>
+                <a:latin typeface="Times New Roman" panose="02020603050405020304"/>
+                <a:ea typeface="华文楷体" panose="02010600040101010101" pitchFamily="2" charset="-122"/>
+                <a:cs typeface="Times New Roman" panose="02020603050405020304"/>
+                <a:sym typeface="Symbol" panose="05050102010706020507"/>
               </a:rPr>
               <a:t>，</a:t>
             </a:r>
@@ -3640,11 +3580,6 @@
         </p:txBody>
       </p:sp>
     </p:spTree>
-    <p:extLst>
-      <p:ext uri="{BB962C8B-B14F-4D97-AF65-F5344CB8AC3E}">
-        <p14:creationId xmlns:p14="http://schemas.microsoft.com/office/powerpoint/2010/main" val="2392363365"/>
-      </p:ext>
-    </p:extLst>
   </p:cSld>
   <p:clrMapOvr>
     <a:masterClrMapping/>
@@ -3743,7 +3678,7 @@
               <a:rPr lang="zh-CN" altLang="en-US" dirty="0" smtClean="0">
                 <a:latin typeface="华文楷体" panose="02010600040101010101" pitchFamily="2" charset="-122"/>
                 <a:ea typeface="华文楷体" panose="02010600040101010101" pitchFamily="2" charset="-122"/>
-                <a:sym typeface="Symbol"/>
+                <a:sym typeface="Symbol" panose="05050102010706020507"/>
               </a:rPr>
               <a:t></a:t>
             </a:r>
@@ -3751,10 +3686,15 @@
               <a:rPr lang="en-US" altLang="zh-CN" dirty="0" smtClean="0">
                 <a:latin typeface="华文楷体" panose="02010600040101010101" pitchFamily="2" charset="-122"/>
                 <a:ea typeface="华文楷体" panose="02010600040101010101" pitchFamily="2" charset="-122"/>
-                <a:sym typeface="Symbol"/>
+                <a:sym typeface="Symbol" panose="05050102010706020507"/>
               </a:rPr>
               <a:t>m</a:t>
             </a:r>
+            <a:endParaRPr lang="en-US" altLang="zh-CN" dirty="0" smtClean="0">
+              <a:latin typeface="华文楷体" panose="02010600040101010101" pitchFamily="2" charset="-122"/>
+              <a:ea typeface="华文楷体" panose="02010600040101010101" pitchFamily="2" charset="-122"/>
+              <a:sym typeface="Symbol" panose="05050102010706020507"/>
+            </a:endParaRPr>
           </a:p>
           <a:p>
             <a:pPr marL="285750" indent="-285750">
@@ -3892,6 +3832,10 @@
               </a:rPr>
               <a:t>3.3V</a:t>
             </a:r>
+            <a:endParaRPr lang="en-US" altLang="zh-CN" dirty="0" smtClean="0">
+              <a:latin typeface="华文楷体" panose="02010600040101010101" pitchFamily="2" charset="-122"/>
+              <a:ea typeface="华文楷体" panose="02010600040101010101" pitchFamily="2" charset="-122"/>
+            </a:endParaRPr>
           </a:p>
           <a:p>
             <a:pPr marL="285750" indent="-285750">
@@ -4012,7 +3956,7 @@
             <p:nvPr/>
           </p:nvPicPr>
           <p:blipFill rotWithShape="1">
-            <a:blip r:embed="rId2">
+            <a:blip r:embed="rId1">
               <a:extLst>
                 <a:ext uri="{28A0092B-C50C-407E-A947-70E740481C1C}">
                   <a14:useLocalDpi xmlns:a14="http://schemas.microsoft.com/office/drawing/2010/main" val="0"/>
@@ -4020,7 +3964,9 @@
               </a:extLst>
             </a:blip>
             <a:srcRect l="7436" t="580" r="18196" b="3640"/>
-            <a:stretch/>
+            <a:stretch>
+              <a:fillRect/>
+            </a:stretch>
           </p:blipFill>
           <p:spPr>
             <a:xfrm>
@@ -4521,7 +4467,7 @@
           <p:nvPr/>
         </p:nvPicPr>
         <p:blipFill rotWithShape="1">
-          <a:blip r:embed="rId3">
+          <a:blip r:embed="rId2">
             <a:extLst>
               <a:ext uri="{28A0092B-C50C-407E-A947-70E740481C1C}">
                 <a14:useLocalDpi xmlns:a14="http://schemas.microsoft.com/office/drawing/2010/main" val="0"/>
@@ -4529,7 +4475,9 @@
             </a:extLst>
           </a:blip>
           <a:srcRect l="41012" t="20273" b="23531"/>
-          <a:stretch/>
+          <a:stretch>
+            <a:fillRect/>
+          </a:stretch>
         </p:blipFill>
         <p:spPr bwMode="auto">
           <a:xfrm>
@@ -4543,11 +4491,6 @@
           <a:ln>
             <a:noFill/>
           </a:ln>
-          <a:extLst>
-            <a:ext uri="{53640926-AAD7-44D8-BBD7-CCE9431645EC}">
-              <a14:shadowObscured xmlns:a14="http://schemas.microsoft.com/office/drawing/2010/main"/>
-            </a:ext>
-          </a:extLst>
         </p:spPr>
       </p:pic>
       <p:sp>
@@ -4629,11 +4572,11 @@
           <p:nvPr/>
         </p:nvPicPr>
         <p:blipFill rotWithShape="1">
-          <a:blip r:embed="rId4" cstate="print">
+          <a:blip r:embed="rId3" cstate="print">
             <a:extLst>
               <a:ext uri="{BEBA8EAE-BF5A-486C-A8C5-ECC9F3942E4B}">
                 <a14:imgProps xmlns:a14="http://schemas.microsoft.com/office/drawing/2010/main">
-                  <a14:imgLayer r:embed="rId5">
+                  <a14:imgLayer r:embed="rId4">
                     <a14:imgEffect>
                       <a14:backgroundRemoval t="500" b="95667" l="6125" r="94750">
                         <a14:foregroundMark x1="72625" y1="70667" x2="67125" y2="88000"/>
@@ -4648,7 +4591,9 @@
             </a:extLst>
           </a:blip>
           <a:srcRect b="30563"/>
-          <a:stretch/>
+          <a:stretch>
+            <a:fillRect/>
+          </a:stretch>
         </p:blipFill>
         <p:spPr bwMode="auto">
           <a:xfrm>
@@ -4845,11 +4790,6 @@
         </p:txBody>
       </p:sp>
     </p:spTree>
-    <p:extLst>
-      <p:ext uri="{BB962C8B-B14F-4D97-AF65-F5344CB8AC3E}">
-        <p14:creationId xmlns:p14="http://schemas.microsoft.com/office/powerpoint/2010/main" val="3005496376"/>
-      </p:ext>
-    </p:extLst>
   </p:cSld>
   <p:clrMapOvr>
     <a:masterClrMapping/>
@@ -5003,23 +4943,11 @@
       </p:sp>
       <p:graphicFrame>
         <p:nvGraphicFramePr>
-          <p:cNvPr id="8" name="Object 7">
-            <a:extLst>
-              <a:ext uri="{FF2B5EF4-FFF2-40B4-BE49-F238E27FC236}">
-                <a16:creationId xmlns:a16="http://schemas.microsoft.com/office/drawing/2014/main" xmlns="" id="{A4468146-79D1-489C-BA4A-61A27EC4878C}"/>
-              </a:ext>
-            </a:extLst>
-          </p:cNvPr>
+          <p:cNvPr id="8" name="Object 7"/>
           <p:cNvGraphicFramePr>
             <a:graphicFrameLocks noChangeAspect="1"/>
           </p:cNvGraphicFramePr>
-          <p:nvPr>
-            <p:extLst>
-              <p:ext uri="{D42A27DB-BD31-4B8C-83A1-F6EECF244321}">
-                <p14:modId xmlns:p14="http://schemas.microsoft.com/office/powerpoint/2010/main" val="3743402361"/>
-              </p:ext>
-            </p:extLst>
-          </p:nvPr>
+          <p:nvPr/>
         </p:nvGraphicFramePr>
         <p:xfrm>
           <a:off x="1768529" y="1423777"/>
@@ -5029,21 +4957,21 @@
           <a:graphicData uri="http://schemas.openxmlformats.org/presentationml/2006/ole">
             <mc:AlternateContent xmlns:mc="http://schemas.openxmlformats.org/markup-compatibility/2006">
               <mc:Choice xmlns:v="urn:schemas-microsoft-com:vml" Requires="v">
-                <p:oleObj spid="_x0000_s1031" name="Graph" r:id="rId3" imgW="3920760" imgH="2159640" progId="Origin95.Graph">
+                <p:oleObj spid="_x0000_s1031" name="Graph" r:id="rId1" imgW="3923665" imgH="2176145" progId="Origin95.Graph">
                   <p:embed/>
                 </p:oleObj>
               </mc:Choice>
               <mc:Fallback>
-                <p:oleObj name="Graph" r:id="rId3" imgW="3920760" imgH="2159640" progId="Origin95.Graph">
+                <p:oleObj name="Graph" r:id="rId1" imgW="3923665" imgH="2176145" progId="Origin95.Graph">
                   <p:embed/>
                   <p:pic>
                     <p:nvPicPr>
-                      <p:cNvPr id="0" name=""/>
+                      <p:cNvPr id="0" name="图片 1030"/>
                       <p:cNvPicPr/>
                       <p:nvPr/>
                     </p:nvPicPr>
                     <p:blipFill>
-                      <a:blip r:embed="rId4"/>
+                      <a:blip r:embed="rId2"/>
                       <a:stretch>
                         <a:fillRect/>
                       </a:stretch>
@@ -5148,11 +5076,6 @@
         </p:txBody>
       </p:sp>
     </p:spTree>
-    <p:extLst>
-      <p:ext uri="{BB962C8B-B14F-4D97-AF65-F5344CB8AC3E}">
-        <p14:creationId xmlns:p14="http://schemas.microsoft.com/office/powerpoint/2010/main" val="3493490541"/>
-      </p:ext>
-    </p:extLst>
   </p:cSld>
   <p:clrMapOvr>
     <a:masterClrMapping/>
@@ -5193,7 +5116,7 @@
           <p:nvPr/>
         </p:nvPicPr>
         <p:blipFill rotWithShape="1">
-          <a:blip r:embed="rId2">
+          <a:blip r:embed="rId1">
             <a:extLst>
               <a:ext uri="{28A0092B-C50C-407E-A947-70E740481C1C}">
                 <a14:useLocalDpi xmlns:a14="http://schemas.microsoft.com/office/drawing/2010/main" val="0"/>
@@ -5201,7 +5124,9 @@
             </a:extLst>
           </a:blip>
           <a:srcRect l="4743" t="4362" r="1503" b="3341"/>
-          <a:stretch/>
+          <a:stretch>
+            <a:fillRect/>
+          </a:stretch>
         </p:blipFill>
         <p:spPr>
           <a:xfrm rot="5400000">
@@ -5423,7 +5348,7 @@
           <p:nvPr/>
         </p:nvPicPr>
         <p:blipFill>
-          <a:blip r:embed="rId3">
+          <a:blip r:embed="rId2">
             <a:extLst>
               <a:ext uri="{28A0092B-C50C-407E-A947-70E740481C1C}">
                 <a14:useLocalDpi xmlns:a14="http://schemas.microsoft.com/office/drawing/2010/main" val="0"/>
@@ -5522,11 +5447,6 @@
         </p:txBody>
       </p:sp>
     </p:spTree>
-    <p:extLst>
-      <p:ext uri="{BB962C8B-B14F-4D97-AF65-F5344CB8AC3E}">
-        <p14:creationId xmlns:p14="http://schemas.microsoft.com/office/powerpoint/2010/main" val="555458895"/>
-      </p:ext>
-    </p:extLst>
   </p:cSld>
   <p:clrMapOvr>
     <a:masterClrMapping/>
@@ -5584,7 +5504,7 @@
     </a:clrScheme>
     <a:fontScheme name="Office 主题">
       <a:majorFont>
-        <a:latin typeface="Calibri Light" panose="020F0302020204030204"/>
+        <a:latin typeface="Calibri Light"/>
         <a:ea typeface=""/>
         <a:cs typeface=""/>
         <a:font script="Jpan" typeface="ＭＳ Ｐゴシック"/>
@@ -5619,7 +5539,7 @@
         <a:font script="Geor" typeface="Sylfaen"/>
       </a:majorFont>
       <a:minorFont>
-        <a:latin typeface="Calibri" panose="020F0502020204030204"/>
+        <a:latin typeface="Calibri"/>
         <a:ea typeface=""/>
         <a:cs typeface=""/>
         <a:font script="Jpan" typeface="ＭＳ Ｐゴシック"/>
@@ -5792,8 +5712,6 @@
       </a:bgFillStyleLst>
     </a:fmtScheme>
   </a:themeElements>
-  <a:objectDefaults/>
-  <a:extraClrSchemeLst/>
   <a:extLst>
     <a:ext uri="{05A4C25C-085E-4340-85A3-A5531E510DB2}">
       <thm15:themeFamily xmlns:thm15="http://schemas.microsoft.com/office/thememl/2012/main" name="Office Theme" id="{62F939B6-93AF-4DB8-9C6B-D6C7DFDC589F}" vid="{4A3C46E8-61CC-4603-A589-7422A47A8E4A}"/>
